--- a/Covid-Predictor (CP).pptx
+++ b/Covid-Predictor (CP).pptx
@@ -843,7 +843,7 @@
           <a:p>
             <a:fld id="{E2FD054B-08C8-44A0-AA87-B4D9F36BD18C}" type="datetimeFigureOut">
               <a:rPr lang="en-US" smtClean="0"/>
-              <a:t>9/27/2021</a:t>
+              <a:t>9/29/2021</a:t>
             </a:fld>
             <a:endParaRPr lang="en-US"/>
           </a:p>
@@ -1094,7 +1094,7 @@
           <a:p>
             <a:fld id="{E2FD054B-08C8-44A0-AA87-B4D9F36BD18C}" type="datetimeFigureOut">
               <a:rPr lang="en-US" smtClean="0"/>
-              <a:t>9/27/2021</a:t>
+              <a:t>9/29/2021</a:t>
             </a:fld>
             <a:endParaRPr lang="en-US"/>
           </a:p>
@@ -1408,7 +1408,7 @@
           <a:p>
             <a:fld id="{E2FD054B-08C8-44A0-AA87-B4D9F36BD18C}" type="datetimeFigureOut">
               <a:rPr lang="en-US" smtClean="0"/>
-              <a:t>9/27/2021</a:t>
+              <a:t>9/29/2021</a:t>
             </a:fld>
             <a:endParaRPr lang="en-US"/>
           </a:p>
@@ -1749,7 +1749,7 @@
           <a:p>
             <a:fld id="{E2FD054B-08C8-44A0-AA87-B4D9F36BD18C}" type="datetimeFigureOut">
               <a:rPr lang="en-US" smtClean="0"/>
-              <a:t>9/27/2021</a:t>
+              <a:t>9/29/2021</a:t>
             </a:fld>
             <a:endParaRPr lang="en-US"/>
           </a:p>
@@ -2063,7 +2063,7 @@
           <a:p>
             <a:fld id="{E2FD054B-08C8-44A0-AA87-B4D9F36BD18C}" type="datetimeFigureOut">
               <a:rPr lang="en-US" smtClean="0"/>
-              <a:t>9/27/2021</a:t>
+              <a:t>9/29/2021</a:t>
             </a:fld>
             <a:endParaRPr lang="en-US"/>
           </a:p>
@@ -2456,7 +2456,7 @@
           <a:p>
             <a:fld id="{E2FD054B-08C8-44A0-AA87-B4D9F36BD18C}" type="datetimeFigureOut">
               <a:rPr lang="en-US" smtClean="0"/>
-              <a:t>9/27/2021</a:t>
+              <a:t>9/29/2021</a:t>
             </a:fld>
             <a:endParaRPr lang="en-US"/>
           </a:p>
@@ -2626,7 +2626,7 @@
           <a:p>
             <a:fld id="{E2FD054B-08C8-44A0-AA87-B4D9F36BD18C}" type="datetimeFigureOut">
               <a:rPr lang="en-US" smtClean="0"/>
-              <a:t>9/27/2021</a:t>
+              <a:t>9/29/2021</a:t>
             </a:fld>
             <a:endParaRPr lang="en-US"/>
           </a:p>
@@ -2806,7 +2806,7 @@
           <a:p>
             <a:fld id="{E2FD054B-08C8-44A0-AA87-B4D9F36BD18C}" type="datetimeFigureOut">
               <a:rPr lang="en-US" smtClean="0"/>
-              <a:t>9/27/2021</a:t>
+              <a:t>9/29/2021</a:t>
             </a:fld>
             <a:endParaRPr lang="en-US"/>
           </a:p>
@@ -2982,7 +2982,7 @@
           <a:p>
             <a:fld id="{E2FD054B-08C8-44A0-AA87-B4D9F36BD18C}" type="datetimeFigureOut">
               <a:rPr lang="en-US" smtClean="0"/>
-              <a:t>9/27/2021</a:t>
+              <a:t>9/29/2021</a:t>
             </a:fld>
             <a:endParaRPr lang="en-US"/>
           </a:p>
@@ -3229,7 +3229,7 @@
           <a:p>
             <a:fld id="{E2FD054B-08C8-44A0-AA87-B4D9F36BD18C}" type="datetimeFigureOut">
               <a:rPr lang="en-US" smtClean="0"/>
-              <a:t>9/27/2021</a:t>
+              <a:t>9/29/2021</a:t>
             </a:fld>
             <a:endParaRPr lang="en-US"/>
           </a:p>
@@ -3461,7 +3461,7 @@
           <a:p>
             <a:fld id="{E2FD054B-08C8-44A0-AA87-B4D9F36BD18C}" type="datetimeFigureOut">
               <a:rPr lang="en-US" smtClean="0"/>
-              <a:t>9/27/2021</a:t>
+              <a:t>9/29/2021</a:t>
             </a:fld>
             <a:endParaRPr lang="en-US"/>
           </a:p>
@@ -3835,7 +3835,7 @@
           <a:p>
             <a:fld id="{E2FD054B-08C8-44A0-AA87-B4D9F36BD18C}" type="datetimeFigureOut">
               <a:rPr lang="en-US" smtClean="0"/>
-              <a:t>9/27/2021</a:t>
+              <a:t>9/29/2021</a:t>
             </a:fld>
             <a:endParaRPr lang="en-US"/>
           </a:p>
@@ -3958,7 +3958,7 @@
           <a:p>
             <a:fld id="{E2FD054B-08C8-44A0-AA87-B4D9F36BD18C}" type="datetimeFigureOut">
               <a:rPr lang="en-US" smtClean="0"/>
-              <a:t>9/27/2021</a:t>
+              <a:t>9/29/2021</a:t>
             </a:fld>
             <a:endParaRPr lang="en-US"/>
           </a:p>
@@ -4053,7 +4053,7 @@
           <a:p>
             <a:fld id="{E2FD054B-08C8-44A0-AA87-B4D9F36BD18C}" type="datetimeFigureOut">
               <a:rPr lang="en-US" smtClean="0"/>
-              <a:t>9/27/2021</a:t>
+              <a:t>9/29/2021</a:t>
             </a:fld>
             <a:endParaRPr lang="en-US"/>
           </a:p>
@@ -4308,7 +4308,7 @@
           <a:p>
             <a:fld id="{E2FD054B-08C8-44A0-AA87-B4D9F36BD18C}" type="datetimeFigureOut">
               <a:rPr lang="en-US" smtClean="0"/>
-              <a:t>9/27/2021</a:t>
+              <a:t>9/29/2021</a:t>
             </a:fld>
             <a:endParaRPr lang="en-US"/>
           </a:p>
@@ -4571,7 +4571,7 @@
           <a:p>
             <a:fld id="{E2FD054B-08C8-44A0-AA87-B4D9F36BD18C}" type="datetimeFigureOut">
               <a:rPr lang="en-US" smtClean="0"/>
-              <a:t>9/27/2021</a:t>
+              <a:t>9/29/2021</a:t>
             </a:fld>
             <a:endParaRPr lang="en-US"/>
           </a:p>
@@ -5314,7 +5314,7 @@
           <a:p>
             <a:fld id="{E2FD054B-08C8-44A0-AA87-B4D9F36BD18C}" type="datetimeFigureOut">
               <a:rPr lang="en-US" smtClean="0"/>
-              <a:t>9/27/2021</a:t>
+              <a:t>9/29/2021</a:t>
             </a:fld>
             <a:endParaRPr lang="en-US"/>
           </a:p>
@@ -5876,34 +5876,14 @@
             <a:br>
               <a:rPr lang="en-US" b="1" dirty="0"/>
             </a:br>
-            <a:r>
-              <a:rPr lang="en-US" sz="3100" dirty="0">
-                <a:solidFill>
-                  <a:schemeClr val="accent1">
-                    <a:lumMod val="50000"/>
-                  </a:schemeClr>
-                </a:solidFill>
-                <a:latin typeface="Bradley Hand ITC" panose="03070402050302030203" pitchFamily="66" charset="0"/>
-              </a:rPr>
-              <a:t>Healthy</a:t>
-            </a:r>
-            <a:r>
-              <a:rPr lang="en-US" sz="3100" dirty="0">
-                <a:latin typeface="Bradley Hand ITC" panose="03070402050302030203" pitchFamily="66" charset="0"/>
-              </a:rPr>
-              <a:t>, </a:t>
-            </a:r>
-            <a:r>
-              <a:rPr lang="en-US" sz="3100" dirty="0">
-                <a:solidFill>
-                  <a:schemeClr val="accent1">
-                    <a:lumMod val="50000"/>
-                  </a:schemeClr>
-                </a:solidFill>
-                <a:latin typeface="Bradley Hand ITC" panose="03070402050302030203" pitchFamily="66" charset="0"/>
-              </a:rPr>
-              <a:t>Wealthy</a:t>
-            </a:r>
+            <a:endParaRPr lang="en-US" sz="3100" dirty="0">
+              <a:solidFill>
+                <a:schemeClr val="accent1">
+                  <a:lumMod val="50000"/>
+                </a:schemeClr>
+              </a:solidFill>
+              <a:latin typeface="Bradley Hand ITC" panose="03070402050302030203" pitchFamily="66" charset="0"/>
+            </a:endParaRPr>
           </a:p>
         </p:txBody>
       </p:sp>
@@ -5937,12 +5917,20 @@
           <a:p>
             <a:pPr algn="l"/>
             <a:r>
+              <a:rPr lang="en-US" b="1">
+                <a:solidFill>
+                  <a:schemeClr val="tx1"/>
+                </a:solidFill>
+              </a:rPr>
+              <a:t>Co-Founders </a:t>
+            </a:r>
+            <a:r>
               <a:rPr lang="en-US" b="1" dirty="0">
                 <a:solidFill>
                   <a:schemeClr val="tx1"/>
                 </a:solidFill>
               </a:rPr>
-              <a:t>Team Members :</a:t>
+              <a:t>:</a:t>
             </a:r>
           </a:p>
           <a:p>
